--- a/Final_slides/E5.pptx
+++ b/Final_slides/E5.pptx
@@ -260,7 +260,7 @@
           <a:p>
             <a:fld id="{50CB7493-E873-4ECD-BE02-F1B4AAEFB17A}" type="datetimeFigureOut">
               <a:rPr lang="en-GB" smtClean="0"/>
-              <a:t>01/01/2024</a:t>
+              <a:t>02/01/2024</a:t>
             </a:fld>
             <a:endParaRPr lang="en-GB"/>
           </a:p>
@@ -458,7 +458,7 @@
           <a:p>
             <a:fld id="{50CB7493-E873-4ECD-BE02-F1B4AAEFB17A}" type="datetimeFigureOut">
               <a:rPr lang="en-GB" smtClean="0"/>
-              <a:t>01/01/2024</a:t>
+              <a:t>02/01/2024</a:t>
             </a:fld>
             <a:endParaRPr lang="en-GB"/>
           </a:p>
@@ -666,7 +666,7 @@
           <a:p>
             <a:fld id="{50CB7493-E873-4ECD-BE02-F1B4AAEFB17A}" type="datetimeFigureOut">
               <a:rPr lang="en-GB" smtClean="0"/>
-              <a:t>01/01/2024</a:t>
+              <a:t>02/01/2024</a:t>
             </a:fld>
             <a:endParaRPr lang="en-GB"/>
           </a:p>
@@ -864,7 +864,7 @@
           <a:p>
             <a:fld id="{50CB7493-E873-4ECD-BE02-F1B4AAEFB17A}" type="datetimeFigureOut">
               <a:rPr lang="en-GB" smtClean="0"/>
-              <a:t>01/01/2024</a:t>
+              <a:t>02/01/2024</a:t>
             </a:fld>
             <a:endParaRPr lang="en-GB"/>
           </a:p>
@@ -1139,7 +1139,7 @@
           <a:p>
             <a:fld id="{50CB7493-E873-4ECD-BE02-F1B4AAEFB17A}" type="datetimeFigureOut">
               <a:rPr lang="en-GB" smtClean="0"/>
-              <a:t>01/01/2024</a:t>
+              <a:t>02/01/2024</a:t>
             </a:fld>
             <a:endParaRPr lang="en-GB"/>
           </a:p>
@@ -1404,7 +1404,7 @@
           <a:p>
             <a:fld id="{50CB7493-E873-4ECD-BE02-F1B4AAEFB17A}" type="datetimeFigureOut">
               <a:rPr lang="en-GB" smtClean="0"/>
-              <a:t>01/01/2024</a:t>
+              <a:t>02/01/2024</a:t>
             </a:fld>
             <a:endParaRPr lang="en-GB"/>
           </a:p>
@@ -1816,7 +1816,7 @@
           <a:p>
             <a:fld id="{50CB7493-E873-4ECD-BE02-F1B4AAEFB17A}" type="datetimeFigureOut">
               <a:rPr lang="en-GB" smtClean="0"/>
-              <a:t>01/01/2024</a:t>
+              <a:t>02/01/2024</a:t>
             </a:fld>
             <a:endParaRPr lang="en-GB"/>
           </a:p>
@@ -1957,7 +1957,7 @@
           <a:p>
             <a:fld id="{50CB7493-E873-4ECD-BE02-F1B4AAEFB17A}" type="datetimeFigureOut">
               <a:rPr lang="en-GB" smtClean="0"/>
-              <a:t>01/01/2024</a:t>
+              <a:t>02/01/2024</a:t>
             </a:fld>
             <a:endParaRPr lang="en-GB"/>
           </a:p>
@@ -2070,7 +2070,7 @@
           <a:p>
             <a:fld id="{50CB7493-E873-4ECD-BE02-F1B4AAEFB17A}" type="datetimeFigureOut">
               <a:rPr lang="en-GB" smtClean="0"/>
-              <a:t>01/01/2024</a:t>
+              <a:t>02/01/2024</a:t>
             </a:fld>
             <a:endParaRPr lang="en-GB"/>
           </a:p>
@@ -2381,7 +2381,7 @@
           <a:p>
             <a:fld id="{50CB7493-E873-4ECD-BE02-F1B4AAEFB17A}" type="datetimeFigureOut">
               <a:rPr lang="en-GB" smtClean="0"/>
-              <a:t>01/01/2024</a:t>
+              <a:t>02/01/2024</a:t>
             </a:fld>
             <a:endParaRPr lang="en-GB"/>
           </a:p>
@@ -2669,7 +2669,7 @@
           <a:p>
             <a:fld id="{50CB7493-E873-4ECD-BE02-F1B4AAEFB17A}" type="datetimeFigureOut">
               <a:rPr lang="en-GB" smtClean="0"/>
-              <a:t>01/01/2024</a:t>
+              <a:t>02/01/2024</a:t>
             </a:fld>
             <a:endParaRPr lang="en-GB"/>
           </a:p>
@@ -2913,7 +2913,7 @@
           <a:p>
             <a:fld id="{50CB7493-E873-4ECD-BE02-F1B4AAEFB17A}" type="datetimeFigureOut">
               <a:rPr lang="en-GB" smtClean="0"/>
-              <a:t>01/01/2024</a:t>
+              <a:t>02/01/2024</a:t>
             </a:fld>
             <a:endParaRPr lang="en-GB"/>
           </a:p>
@@ -3357,7 +3357,7 @@
                   <a:schemeClr val="bg1"/>
                 </a:solidFill>
               </a:rPr>
-              <a:t>Exercise 5</a:t>
+              <a:t>Exercise E5</a:t>
             </a:r>
           </a:p>
         </p:txBody>
@@ -3449,13 +3449,18 @@
           <a:lstStyle/>
           <a:p>
             <a:r>
-              <a:rPr lang="en-GB" dirty="0">
+              <a:rPr lang="en-GB">
                 <a:solidFill>
                   <a:schemeClr val="bg1"/>
                 </a:solidFill>
               </a:rPr>
-              <a:t>Exercise 5</a:t>
-            </a:r>
+              <a:t>Exercise E5</a:t>
+            </a:r>
+            <a:endParaRPr lang="en-GB" dirty="0">
+              <a:solidFill>
+                <a:schemeClr val="bg1"/>
+              </a:solidFill>
+            </a:endParaRPr>
           </a:p>
         </p:txBody>
       </p:sp>
